--- a/xpedition_layout/images/flow-chart.pptx
+++ b/xpedition_layout/images/flow-chart.pptx
@@ -117,12 +117,12 @@
   <pc:docChgLst>
     <pc:chgData name="Merger Edgar FRD XAHDH13" userId="bc3d4c67-dcc3-408b-96f7-613e0dfa2b90" providerId="ADAL" clId="{8CCFB948-0FBF-4D91-ADDF-3D13928C3A05}"/>
     <pc:docChg chg="custSel modSld">
-      <pc:chgData name="Merger Edgar FRD XAHDH13" userId="bc3d4c67-dcc3-408b-96f7-613e0dfa2b90" providerId="ADAL" clId="{8CCFB948-0FBF-4D91-ADDF-3D13928C3A05}" dt="2024-11-14T15:51:52.561" v="24" actId="14100"/>
+      <pc:chgData name="Merger Edgar FRD XAHDH13" userId="bc3d4c67-dcc3-408b-96f7-613e0dfa2b90" providerId="ADAL" clId="{8CCFB948-0FBF-4D91-ADDF-3D13928C3A05}" dt="2024-11-15T21:29:42.256" v="25" actId="692"/>
       <pc:docMkLst>
         <pc:docMk/>
       </pc:docMkLst>
       <pc:sldChg chg="addSp delSp modSp mod">
-        <pc:chgData name="Merger Edgar FRD XAHDH13" userId="bc3d4c67-dcc3-408b-96f7-613e0dfa2b90" providerId="ADAL" clId="{8CCFB948-0FBF-4D91-ADDF-3D13928C3A05}" dt="2024-11-14T15:51:52.561" v="24" actId="14100"/>
+        <pc:chgData name="Merger Edgar FRD XAHDH13" userId="bc3d4c67-dcc3-408b-96f7-613e0dfa2b90" providerId="ADAL" clId="{8CCFB948-0FBF-4D91-ADDF-3D13928C3A05}" dt="2024-11-15T21:29:42.256" v="25" actId="692"/>
         <pc:sldMkLst>
           <pc:docMk/>
           <pc:sldMk cId="184967413" sldId="257"/>
@@ -167,6 +167,54 @@
             <ac:picMk id="31" creationId="{040844AA-E79B-1770-FF18-2B01FD25E2EB}"/>
           </ac:picMkLst>
         </pc:picChg>
+        <pc:cxnChg chg="mod">
+          <ac:chgData name="Merger Edgar FRD XAHDH13" userId="bc3d4c67-dcc3-408b-96f7-613e0dfa2b90" providerId="ADAL" clId="{8CCFB948-0FBF-4D91-ADDF-3D13928C3A05}" dt="2024-11-15T21:29:42.256" v="25" actId="692"/>
+          <ac:cxnSpMkLst>
+            <pc:docMk/>
+            <pc:sldMk cId="184967413" sldId="257"/>
+            <ac:cxnSpMk id="35" creationId="{F51FD2DA-7F8B-CD83-F3D0-938F7242F77A}"/>
+          </ac:cxnSpMkLst>
+        </pc:cxnChg>
+        <pc:cxnChg chg="mod">
+          <ac:chgData name="Merger Edgar FRD XAHDH13" userId="bc3d4c67-dcc3-408b-96f7-613e0dfa2b90" providerId="ADAL" clId="{8CCFB948-0FBF-4D91-ADDF-3D13928C3A05}" dt="2024-11-15T21:29:42.256" v="25" actId="692"/>
+          <ac:cxnSpMkLst>
+            <pc:docMk/>
+            <pc:sldMk cId="184967413" sldId="257"/>
+            <ac:cxnSpMk id="37" creationId="{31F4F60D-2961-3F24-A2E5-0046694BBF59}"/>
+          </ac:cxnSpMkLst>
+        </pc:cxnChg>
+        <pc:cxnChg chg="mod">
+          <ac:chgData name="Merger Edgar FRD XAHDH13" userId="bc3d4c67-dcc3-408b-96f7-613e0dfa2b90" providerId="ADAL" clId="{8CCFB948-0FBF-4D91-ADDF-3D13928C3A05}" dt="2024-11-15T21:29:42.256" v="25" actId="692"/>
+          <ac:cxnSpMkLst>
+            <pc:docMk/>
+            <pc:sldMk cId="184967413" sldId="257"/>
+            <ac:cxnSpMk id="41" creationId="{7388123D-AFFF-4BB3-C424-3DAAFE76C5E1}"/>
+          </ac:cxnSpMkLst>
+        </pc:cxnChg>
+        <pc:cxnChg chg="mod">
+          <ac:chgData name="Merger Edgar FRD XAHDH13" userId="bc3d4c67-dcc3-408b-96f7-613e0dfa2b90" providerId="ADAL" clId="{8CCFB948-0FBF-4D91-ADDF-3D13928C3A05}" dt="2024-11-15T21:29:42.256" v="25" actId="692"/>
+          <ac:cxnSpMkLst>
+            <pc:docMk/>
+            <pc:sldMk cId="184967413" sldId="257"/>
+            <ac:cxnSpMk id="48" creationId="{528BFE1B-251C-68B3-F40F-AA9FA82A14E9}"/>
+          </ac:cxnSpMkLst>
+        </pc:cxnChg>
+        <pc:cxnChg chg="mod">
+          <ac:chgData name="Merger Edgar FRD XAHDH13" userId="bc3d4c67-dcc3-408b-96f7-613e0dfa2b90" providerId="ADAL" clId="{8CCFB948-0FBF-4D91-ADDF-3D13928C3A05}" dt="2024-11-15T21:29:42.256" v="25" actId="692"/>
+          <ac:cxnSpMkLst>
+            <pc:docMk/>
+            <pc:sldMk cId="184967413" sldId="257"/>
+            <ac:cxnSpMk id="50" creationId="{51997A0B-4A34-87FA-8BD0-CB80F54DB396}"/>
+          </ac:cxnSpMkLst>
+        </pc:cxnChg>
+        <pc:cxnChg chg="mod">
+          <ac:chgData name="Merger Edgar FRD XAHDH13" userId="bc3d4c67-dcc3-408b-96f7-613e0dfa2b90" providerId="ADAL" clId="{8CCFB948-0FBF-4D91-ADDF-3D13928C3A05}" dt="2024-11-15T21:29:42.256" v="25" actId="692"/>
+          <ac:cxnSpMkLst>
+            <pc:docMk/>
+            <pc:sldMk cId="184967413" sldId="257"/>
+            <ac:cxnSpMk id="53" creationId="{26DAB490-54B1-2547-6416-DBB061C6FDC4}"/>
+          </ac:cxnSpMkLst>
+        </pc:cxnChg>
       </pc:sldChg>
     </pc:docChg>
   </pc:docChgLst>
@@ -322,7 +370,7 @@
           <a:p>
             <a:fld id="{9AF7088A-C1D3-41AE-AF77-5FCBECDF5BD5}" type="datetimeFigureOut">
               <a:rPr lang="en-US" smtClean="0"/>
-              <a:t>11/14/2024</a:t>
+              <a:t>11/15/2024</a:t>
             </a:fld>
             <a:endParaRPr lang="en-US"/>
           </a:p>
@@ -522,7 +570,7 @@
           <a:p>
             <a:fld id="{9AF7088A-C1D3-41AE-AF77-5FCBECDF5BD5}" type="datetimeFigureOut">
               <a:rPr lang="en-US" smtClean="0"/>
-              <a:t>11/14/2024</a:t>
+              <a:t>11/15/2024</a:t>
             </a:fld>
             <a:endParaRPr lang="en-US"/>
           </a:p>
@@ -732,7 +780,7 @@
           <a:p>
             <a:fld id="{9AF7088A-C1D3-41AE-AF77-5FCBECDF5BD5}" type="datetimeFigureOut">
               <a:rPr lang="en-US" smtClean="0"/>
-              <a:t>11/14/2024</a:t>
+              <a:t>11/15/2024</a:t>
             </a:fld>
             <a:endParaRPr lang="en-US"/>
           </a:p>
@@ -932,7 +980,7 @@
           <a:p>
             <a:fld id="{9AF7088A-C1D3-41AE-AF77-5FCBECDF5BD5}" type="datetimeFigureOut">
               <a:rPr lang="en-US" smtClean="0"/>
-              <a:t>11/14/2024</a:t>
+              <a:t>11/15/2024</a:t>
             </a:fld>
             <a:endParaRPr lang="en-US"/>
           </a:p>
@@ -1208,7 +1256,7 @@
           <a:p>
             <a:fld id="{9AF7088A-C1D3-41AE-AF77-5FCBECDF5BD5}" type="datetimeFigureOut">
               <a:rPr lang="en-US" smtClean="0"/>
-              <a:t>11/14/2024</a:t>
+              <a:t>11/15/2024</a:t>
             </a:fld>
             <a:endParaRPr lang="en-US"/>
           </a:p>
@@ -1476,7 +1524,7 @@
           <a:p>
             <a:fld id="{9AF7088A-C1D3-41AE-AF77-5FCBECDF5BD5}" type="datetimeFigureOut">
               <a:rPr lang="en-US" smtClean="0"/>
-              <a:t>11/14/2024</a:t>
+              <a:t>11/15/2024</a:t>
             </a:fld>
             <a:endParaRPr lang="en-US"/>
           </a:p>
@@ -1891,7 +1939,7 @@
           <a:p>
             <a:fld id="{9AF7088A-C1D3-41AE-AF77-5FCBECDF5BD5}" type="datetimeFigureOut">
               <a:rPr lang="en-US" smtClean="0"/>
-              <a:t>11/14/2024</a:t>
+              <a:t>11/15/2024</a:t>
             </a:fld>
             <a:endParaRPr lang="en-US"/>
           </a:p>
@@ -2033,7 +2081,7 @@
           <a:p>
             <a:fld id="{9AF7088A-C1D3-41AE-AF77-5FCBECDF5BD5}" type="datetimeFigureOut">
               <a:rPr lang="en-US" smtClean="0"/>
-              <a:t>11/14/2024</a:t>
+              <a:t>11/15/2024</a:t>
             </a:fld>
             <a:endParaRPr lang="en-US"/>
           </a:p>
@@ -2146,7 +2194,7 @@
           <a:p>
             <a:fld id="{9AF7088A-C1D3-41AE-AF77-5FCBECDF5BD5}" type="datetimeFigureOut">
               <a:rPr lang="en-US" smtClean="0"/>
-              <a:t>11/14/2024</a:t>
+              <a:t>11/15/2024</a:t>
             </a:fld>
             <a:endParaRPr lang="en-US"/>
           </a:p>
@@ -2459,7 +2507,7 @@
           <a:p>
             <a:fld id="{9AF7088A-C1D3-41AE-AF77-5FCBECDF5BD5}" type="datetimeFigureOut">
               <a:rPr lang="en-US" smtClean="0"/>
-              <a:t>11/14/2024</a:t>
+              <a:t>11/15/2024</a:t>
             </a:fld>
             <a:endParaRPr lang="en-US"/>
           </a:p>
@@ -2748,7 +2796,7 @@
           <a:p>
             <a:fld id="{9AF7088A-C1D3-41AE-AF77-5FCBECDF5BD5}" type="datetimeFigureOut">
               <a:rPr lang="en-US" smtClean="0"/>
-              <a:t>11/14/2024</a:t>
+              <a:t>11/15/2024</a:t>
             </a:fld>
             <a:endParaRPr lang="en-US"/>
           </a:p>
@@ -2991,7 +3039,7 @@
           <a:p>
             <a:fld id="{9AF7088A-C1D3-41AE-AF77-5FCBECDF5BD5}" type="datetimeFigureOut">
               <a:rPr lang="en-US" smtClean="0"/>
-              <a:t>11/14/2024</a:t>
+              <a:t>11/15/2024</a:t>
             </a:fld>
             <a:endParaRPr lang="en-US"/>
           </a:p>
@@ -3827,7 +3875,7 @@
           <a:noFill/>
           <a:ln w="6350" cap="rnd" cmpd="sng" algn="ctr">
             <a:solidFill>
-              <a:schemeClr val="bg2"/>
+              <a:schemeClr val="tx1"/>
             </a:solidFill>
             <a:prstDash val="solid"/>
             <a:round/>
@@ -3954,7 +4002,7 @@
           <a:noFill/>
           <a:ln w="6350" cap="rnd" cmpd="sng" algn="ctr">
             <a:solidFill>
-              <a:schemeClr val="bg2"/>
+              <a:schemeClr val="tx1"/>
             </a:solidFill>
             <a:prstDash val="solid"/>
             <a:round/>
@@ -4196,7 +4244,7 @@
           <a:noFill/>
           <a:ln w="6350" cap="rnd" cmpd="sng" algn="ctr">
             <a:solidFill>
-              <a:schemeClr val="bg2"/>
+              <a:schemeClr val="tx1"/>
             </a:solidFill>
             <a:prstDash val="solid"/>
             <a:round/>
@@ -4712,7 +4760,7 @@
           <a:noFill/>
           <a:ln w="6350" cap="rnd" cmpd="sng" algn="ctr">
             <a:solidFill>
-              <a:schemeClr val="bg2"/>
+              <a:schemeClr val="tx1"/>
             </a:solidFill>
             <a:prstDash val="solid"/>
             <a:round/>
@@ -4814,7 +4862,7 @@
           <a:noFill/>
           <a:ln w="6350" cap="rnd" cmpd="sng" algn="ctr">
             <a:solidFill>
-              <a:schemeClr val="bg2"/>
+              <a:schemeClr val="tx1"/>
             </a:solidFill>
             <a:prstDash val="solid"/>
             <a:round/>
@@ -4968,7 +5016,7 @@
           <a:noFill/>
           <a:ln w="6350" cap="rnd" cmpd="sng" algn="ctr">
             <a:solidFill>
-              <a:schemeClr val="bg2"/>
+              <a:schemeClr val="tx1"/>
             </a:solidFill>
             <a:prstDash val="solid"/>
             <a:round/>
